--- a/2/field.pptx
+++ b/2/field.pptx
@@ -259,7 +259,7 @@
           <a:p>
             <a:fld id="{3551EC7B-891F-4A2D-8010-64F7CA1790FC}" type="datetimeFigureOut">
               <a:rPr kumimoji="1" lang="ja-JP" altLang="en-US" smtClean="0"/>
-              <a:t>2023/1/17</a:t>
+              <a:t>2023/1/23</a:t>
             </a:fld>
             <a:endParaRPr kumimoji="1" lang="ja-JP" altLang="en-US"/>
           </a:p>
@@ -489,7 +489,7 @@
           <a:p>
             <a:fld id="{3551EC7B-891F-4A2D-8010-64F7CA1790FC}" type="datetimeFigureOut">
               <a:rPr kumimoji="1" lang="ja-JP" altLang="en-US" smtClean="0"/>
-              <a:t>2023/1/17</a:t>
+              <a:t>2023/1/23</a:t>
             </a:fld>
             <a:endParaRPr kumimoji="1" lang="ja-JP" altLang="en-US"/>
           </a:p>
@@ -729,7 +729,7 @@
           <a:p>
             <a:fld id="{3551EC7B-891F-4A2D-8010-64F7CA1790FC}" type="datetimeFigureOut">
               <a:rPr kumimoji="1" lang="ja-JP" altLang="en-US" smtClean="0"/>
-              <a:t>2023/1/17</a:t>
+              <a:t>2023/1/23</a:t>
             </a:fld>
             <a:endParaRPr kumimoji="1" lang="ja-JP" altLang="en-US"/>
           </a:p>
@@ -959,7 +959,7 @@
           <a:p>
             <a:fld id="{3551EC7B-891F-4A2D-8010-64F7CA1790FC}" type="datetimeFigureOut">
               <a:rPr kumimoji="1" lang="ja-JP" altLang="en-US" smtClean="0"/>
-              <a:t>2023/1/17</a:t>
+              <a:t>2023/1/23</a:t>
             </a:fld>
             <a:endParaRPr kumimoji="1" lang="ja-JP" altLang="en-US"/>
           </a:p>
@@ -1234,7 +1234,7 @@
           <a:p>
             <a:fld id="{3551EC7B-891F-4A2D-8010-64F7CA1790FC}" type="datetimeFigureOut">
               <a:rPr kumimoji="1" lang="ja-JP" altLang="en-US" smtClean="0"/>
-              <a:t>2023/1/17</a:t>
+              <a:t>2023/1/23</a:t>
             </a:fld>
             <a:endParaRPr kumimoji="1" lang="ja-JP" altLang="en-US"/>
           </a:p>
@@ -1563,7 +1563,7 @@
           <a:p>
             <a:fld id="{3551EC7B-891F-4A2D-8010-64F7CA1790FC}" type="datetimeFigureOut">
               <a:rPr kumimoji="1" lang="ja-JP" altLang="en-US" smtClean="0"/>
-              <a:t>2023/1/17</a:t>
+              <a:t>2023/1/23</a:t>
             </a:fld>
             <a:endParaRPr kumimoji="1" lang="ja-JP" altLang="en-US"/>
           </a:p>
@@ -2039,7 +2039,7 @@
           <a:p>
             <a:fld id="{3551EC7B-891F-4A2D-8010-64F7CA1790FC}" type="datetimeFigureOut">
               <a:rPr kumimoji="1" lang="ja-JP" altLang="en-US" smtClean="0"/>
-              <a:t>2023/1/17</a:t>
+              <a:t>2023/1/23</a:t>
             </a:fld>
             <a:endParaRPr kumimoji="1" lang="ja-JP" altLang="en-US"/>
           </a:p>
@@ -2180,7 +2180,7 @@
           <a:p>
             <a:fld id="{3551EC7B-891F-4A2D-8010-64F7CA1790FC}" type="datetimeFigureOut">
               <a:rPr kumimoji="1" lang="ja-JP" altLang="en-US" smtClean="0"/>
-              <a:t>2023/1/17</a:t>
+              <a:t>2023/1/23</a:t>
             </a:fld>
             <a:endParaRPr kumimoji="1" lang="ja-JP" altLang="en-US"/>
           </a:p>
@@ -2293,7 +2293,7 @@
           <a:p>
             <a:fld id="{3551EC7B-891F-4A2D-8010-64F7CA1790FC}" type="datetimeFigureOut">
               <a:rPr kumimoji="1" lang="ja-JP" altLang="en-US" smtClean="0"/>
-              <a:t>2023/1/17</a:t>
+              <a:t>2023/1/23</a:t>
             </a:fld>
             <a:endParaRPr kumimoji="1" lang="ja-JP" altLang="en-US"/>
           </a:p>
@@ -2636,7 +2636,7 @@
           <a:p>
             <a:fld id="{3551EC7B-891F-4A2D-8010-64F7CA1790FC}" type="datetimeFigureOut">
               <a:rPr kumimoji="1" lang="ja-JP" altLang="en-US" smtClean="0"/>
-              <a:t>2023/1/17</a:t>
+              <a:t>2023/1/23</a:t>
             </a:fld>
             <a:endParaRPr kumimoji="1" lang="ja-JP" altLang="en-US"/>
           </a:p>
@@ -2924,7 +2924,7 @@
           <a:p>
             <a:fld id="{3551EC7B-891F-4A2D-8010-64F7CA1790FC}" type="datetimeFigureOut">
               <a:rPr kumimoji="1" lang="ja-JP" altLang="en-US" smtClean="0"/>
-              <a:t>2023/1/17</a:t>
+              <a:t>2023/1/23</a:t>
             </a:fld>
             <a:endParaRPr kumimoji="1" lang="ja-JP" altLang="en-US"/>
           </a:p>
@@ -3197,7 +3197,7 @@
           <a:p>
             <a:fld id="{3551EC7B-891F-4A2D-8010-64F7CA1790FC}" type="datetimeFigureOut">
               <a:rPr kumimoji="1" lang="ja-JP" altLang="en-US" smtClean="0"/>
-              <a:t>2023/1/17</a:t>
+              <a:t>2023/1/23</a:t>
             </a:fld>
             <a:endParaRPr kumimoji="1" lang="ja-JP" altLang="en-US"/>
           </a:p>
@@ -4388,6 +4388,483 @@
           </a:p>
         </p:txBody>
       </p:sp>
+      <p:cxnSp>
+        <p:nvCxnSpPr>
+          <p:cNvPr id="3" name="直線矢印コネクタ 2">
+            <a:extLst>
+              <a:ext uri="{FF2B5EF4-FFF2-40B4-BE49-F238E27FC236}">
+                <a16:creationId xmlns:a16="http://schemas.microsoft.com/office/drawing/2014/main" id="{552F8850-8D03-2CEA-735A-FD127B0738C9}"/>
+              </a:ext>
+            </a:extLst>
+          </p:cNvPr>
+          <p:cNvCxnSpPr>
+            <a:cxnSpLocks/>
+          </p:cNvCxnSpPr>
+          <p:nvPr/>
+        </p:nvCxnSpPr>
+        <p:spPr>
+          <a:xfrm flipH="1">
+            <a:off x="7014411" y="2767263"/>
+            <a:ext cx="336884" cy="300790"/>
+          </a:xfrm>
+          <a:prstGeom prst="straightConnector1">
+            <a:avLst/>
+          </a:prstGeom>
+          <a:ln w="38100">
+            <a:solidFill>
+              <a:schemeClr val="bg1"/>
+            </a:solidFill>
+            <a:headEnd w="lg" len="lg"/>
+            <a:tailEnd type="triangle" w="lg" len="lg"/>
+          </a:ln>
+        </p:spPr>
+        <p:style>
+          <a:lnRef idx="1">
+            <a:schemeClr val="accent1"/>
+          </a:lnRef>
+          <a:fillRef idx="0">
+            <a:schemeClr val="accent1"/>
+          </a:fillRef>
+          <a:effectRef idx="0">
+            <a:schemeClr val="accent1"/>
+          </a:effectRef>
+          <a:fontRef idx="minor">
+            <a:schemeClr val="tx1"/>
+          </a:fontRef>
+        </p:style>
+      </p:cxnSp>
+      <p:cxnSp>
+        <p:nvCxnSpPr>
+          <p:cNvPr id="8" name="直線矢印コネクタ 7">
+            <a:extLst>
+              <a:ext uri="{FF2B5EF4-FFF2-40B4-BE49-F238E27FC236}">
+                <a16:creationId xmlns:a16="http://schemas.microsoft.com/office/drawing/2014/main" id="{F0679147-023B-224C-2424-A51523F2828C}"/>
+              </a:ext>
+            </a:extLst>
+          </p:cNvPr>
+          <p:cNvCxnSpPr>
+            <a:cxnSpLocks/>
+          </p:cNvCxnSpPr>
+          <p:nvPr/>
+        </p:nvCxnSpPr>
+        <p:spPr>
+          <a:xfrm flipH="1">
+            <a:off x="1942852" y="2767263"/>
+            <a:ext cx="336884" cy="300790"/>
+          </a:xfrm>
+          <a:prstGeom prst="straightConnector1">
+            <a:avLst/>
+          </a:prstGeom>
+          <a:ln w="38100">
+            <a:solidFill>
+              <a:schemeClr val="bg1"/>
+            </a:solidFill>
+            <a:headEnd w="lg" len="lg"/>
+            <a:tailEnd type="triangle" w="lg" len="lg"/>
+          </a:ln>
+        </p:spPr>
+        <p:style>
+          <a:lnRef idx="1">
+            <a:schemeClr val="accent1"/>
+          </a:lnRef>
+          <a:fillRef idx="0">
+            <a:schemeClr val="accent1"/>
+          </a:fillRef>
+          <a:effectRef idx="0">
+            <a:schemeClr val="accent1"/>
+          </a:effectRef>
+          <a:fontRef idx="minor">
+            <a:schemeClr val="tx1"/>
+          </a:fontRef>
+        </p:style>
+      </p:cxnSp>
+      <p:sp>
+        <p:nvSpPr>
+          <p:cNvPr id="10" name="テキスト ボックス 9">
+            <a:extLst>
+              <a:ext uri="{FF2B5EF4-FFF2-40B4-BE49-F238E27FC236}">
+                <a16:creationId xmlns:a16="http://schemas.microsoft.com/office/drawing/2014/main" id="{759AEDEA-4464-8F73-8F2D-21A38BD25AE7}"/>
+              </a:ext>
+            </a:extLst>
+          </p:cNvPr>
+          <p:cNvSpPr txBox="1"/>
+          <p:nvPr/>
+        </p:nvSpPr>
+        <p:spPr>
+          <a:xfrm>
+            <a:off x="6095998" y="2375219"/>
+            <a:ext cx="2630647" cy="369332"/>
+          </a:xfrm>
+          <a:prstGeom prst="rect">
+            <a:avLst/>
+          </a:prstGeom>
+          <a:noFill/>
+        </p:spPr>
+        <p:txBody>
+          <a:bodyPr wrap="square" rtlCol="0">
+            <a:spAutoFit/>
+          </a:bodyPr>
+          <a:lstStyle/>
+          <a:p>
+            <a:pPr algn="ctr"/>
+            <a:r>
+              <a:rPr kumimoji="1" lang="ja-JP" altLang="en-US" dirty="0">
+                <a:solidFill>
+                  <a:schemeClr val="bg1"/>
+                </a:solidFill>
+                <a:latin typeface="Noto Sans JP" panose="020B0500000000000000" pitchFamily="34" charset="-128"/>
+                <a:ea typeface="Noto Sans JP" panose="020B0500000000000000" pitchFamily="34" charset="-128"/>
+              </a:rPr>
+              <a:t>センターサークル</a:t>
+            </a:r>
+          </a:p>
+        </p:txBody>
+      </p:sp>
+      <p:sp>
+        <p:nvSpPr>
+          <p:cNvPr id="12" name="テキスト ボックス 11">
+            <a:extLst>
+              <a:ext uri="{FF2B5EF4-FFF2-40B4-BE49-F238E27FC236}">
+                <a16:creationId xmlns:a16="http://schemas.microsoft.com/office/drawing/2014/main" id="{7B030500-17A0-49C5-9A8D-2AB0E1D4284F}"/>
+              </a:ext>
+            </a:extLst>
+          </p:cNvPr>
+          <p:cNvSpPr txBox="1"/>
+          <p:nvPr/>
+        </p:nvSpPr>
+        <p:spPr>
+          <a:xfrm>
+            <a:off x="1823582" y="2421956"/>
+            <a:ext cx="1340724" cy="369332"/>
+          </a:xfrm>
+          <a:prstGeom prst="rect">
+            <a:avLst/>
+          </a:prstGeom>
+          <a:noFill/>
+        </p:spPr>
+        <p:txBody>
+          <a:bodyPr wrap="square" rtlCol="0">
+            <a:spAutoFit/>
+          </a:bodyPr>
+          <a:lstStyle/>
+          <a:p>
+            <a:pPr algn="ctr"/>
+            <a:r>
+              <a:rPr lang="ja-JP" altLang="en-US" dirty="0">
+                <a:solidFill>
+                  <a:schemeClr val="bg1"/>
+                </a:solidFill>
+                <a:latin typeface="Noto Sans JP" panose="020B0500000000000000" pitchFamily="34" charset="-128"/>
+                <a:ea typeface="Noto Sans JP" panose="020B0500000000000000" pitchFamily="34" charset="-128"/>
+              </a:rPr>
+              <a:t>ゴール</a:t>
+            </a:r>
+            <a:endParaRPr kumimoji="1" lang="ja-JP" altLang="en-US" dirty="0">
+              <a:solidFill>
+                <a:schemeClr val="bg1"/>
+              </a:solidFill>
+              <a:latin typeface="Noto Sans JP" panose="020B0500000000000000" pitchFamily="34" charset="-128"/>
+              <a:ea typeface="Noto Sans JP" panose="020B0500000000000000" pitchFamily="34" charset="-128"/>
+            </a:endParaRPr>
+          </a:p>
+        </p:txBody>
+      </p:sp>
+      <p:sp>
+        <p:nvSpPr>
+          <p:cNvPr id="13" name="楕円 12">
+            <a:extLst>
+              <a:ext uri="{FF2B5EF4-FFF2-40B4-BE49-F238E27FC236}">
+                <a16:creationId xmlns:a16="http://schemas.microsoft.com/office/drawing/2014/main" id="{00C287D5-23E9-D4E8-AD64-E54B03D91D06}"/>
+              </a:ext>
+            </a:extLst>
+          </p:cNvPr>
+          <p:cNvSpPr/>
+          <p:nvPr/>
+        </p:nvSpPr>
+        <p:spPr>
+          <a:xfrm>
+            <a:off x="10900907" y="3627175"/>
+            <a:ext cx="119270" cy="119270"/>
+          </a:xfrm>
+          <a:prstGeom prst="ellipse">
+            <a:avLst/>
+          </a:prstGeom>
+          <a:solidFill>
+            <a:schemeClr val="bg1"/>
+          </a:solidFill>
+          <a:ln>
+            <a:noFill/>
+          </a:ln>
+        </p:spPr>
+        <p:style>
+          <a:lnRef idx="2">
+            <a:schemeClr val="accent1">
+              <a:shade val="50000"/>
+            </a:schemeClr>
+          </a:lnRef>
+          <a:fillRef idx="1">
+            <a:schemeClr val="accent1"/>
+          </a:fillRef>
+          <a:effectRef idx="0">
+            <a:schemeClr val="accent1"/>
+          </a:effectRef>
+          <a:fontRef idx="minor">
+            <a:schemeClr val="lt1"/>
+          </a:fontRef>
+        </p:style>
+        <p:txBody>
+          <a:bodyPr rtlCol="0" anchor="ctr"/>
+          <a:lstStyle/>
+          <a:p>
+            <a:pPr algn="ctr"/>
+            <a:endParaRPr kumimoji="1" lang="ja-JP" altLang="en-US" dirty="0"/>
+          </a:p>
+        </p:txBody>
+      </p:sp>
+      <p:sp>
+        <p:nvSpPr>
+          <p:cNvPr id="17" name="楕円 16">
+            <a:extLst>
+              <a:ext uri="{FF2B5EF4-FFF2-40B4-BE49-F238E27FC236}">
+                <a16:creationId xmlns:a16="http://schemas.microsoft.com/office/drawing/2014/main" id="{2F5E16A6-F41B-2F17-FB62-DE10C7ADAD25}"/>
+              </a:ext>
+            </a:extLst>
+          </p:cNvPr>
+          <p:cNvSpPr/>
+          <p:nvPr/>
+        </p:nvSpPr>
+        <p:spPr>
+          <a:xfrm>
+            <a:off x="1825396" y="3627175"/>
+            <a:ext cx="119270" cy="119270"/>
+          </a:xfrm>
+          <a:prstGeom prst="ellipse">
+            <a:avLst/>
+          </a:prstGeom>
+          <a:solidFill>
+            <a:schemeClr val="bg1"/>
+          </a:solidFill>
+          <a:ln>
+            <a:noFill/>
+          </a:ln>
+        </p:spPr>
+        <p:style>
+          <a:lnRef idx="2">
+            <a:schemeClr val="accent1">
+              <a:shade val="50000"/>
+            </a:schemeClr>
+          </a:lnRef>
+          <a:fillRef idx="1">
+            <a:schemeClr val="accent1"/>
+          </a:fillRef>
+          <a:effectRef idx="0">
+            <a:schemeClr val="accent1"/>
+          </a:effectRef>
+          <a:fontRef idx="minor">
+            <a:schemeClr val="lt1"/>
+          </a:fontRef>
+        </p:style>
+        <p:txBody>
+          <a:bodyPr rtlCol="0" anchor="ctr"/>
+          <a:lstStyle/>
+          <a:p>
+            <a:pPr algn="ctr"/>
+            <a:endParaRPr kumimoji="1" lang="ja-JP" altLang="en-US" dirty="0"/>
+          </a:p>
+        </p:txBody>
+      </p:sp>
+      <p:sp>
+        <p:nvSpPr>
+          <p:cNvPr id="18" name="テキスト ボックス 17">
+            <a:extLst>
+              <a:ext uri="{FF2B5EF4-FFF2-40B4-BE49-F238E27FC236}">
+                <a16:creationId xmlns:a16="http://schemas.microsoft.com/office/drawing/2014/main" id="{50B5250C-07A6-91A7-73A3-77086BAAA2C8}"/>
+              </a:ext>
+            </a:extLst>
+          </p:cNvPr>
+          <p:cNvSpPr txBox="1"/>
+          <p:nvPr/>
+        </p:nvSpPr>
+        <p:spPr>
+          <a:xfrm>
+            <a:off x="1607533" y="3389335"/>
+            <a:ext cx="1621953" cy="369332"/>
+          </a:xfrm>
+          <a:prstGeom prst="rect">
+            <a:avLst/>
+          </a:prstGeom>
+          <a:noFill/>
+        </p:spPr>
+        <p:txBody>
+          <a:bodyPr wrap="square" rtlCol="0">
+            <a:spAutoFit/>
+          </a:bodyPr>
+          <a:lstStyle/>
+          <a:p>
+            <a:pPr algn="ctr"/>
+            <a:r>
+              <a:rPr kumimoji="1" lang="en-US" altLang="ja-JP" dirty="0">
+                <a:solidFill>
+                  <a:schemeClr val="bg1"/>
+                </a:solidFill>
+                <a:latin typeface="Noto Sans JP" panose="020B0500000000000000" pitchFamily="34" charset="-128"/>
+                <a:ea typeface="Noto Sans JP" panose="020B0500000000000000" pitchFamily="34" charset="-128"/>
+              </a:rPr>
+              <a:t>(-52.5,0)</a:t>
+            </a:r>
+            <a:endParaRPr kumimoji="1" lang="ja-JP" altLang="en-US" dirty="0">
+              <a:solidFill>
+                <a:schemeClr val="bg1"/>
+              </a:solidFill>
+              <a:latin typeface="Noto Sans JP" panose="020B0500000000000000" pitchFamily="34" charset="-128"/>
+              <a:ea typeface="Noto Sans JP" panose="020B0500000000000000" pitchFamily="34" charset="-128"/>
+            </a:endParaRPr>
+          </a:p>
+        </p:txBody>
+      </p:sp>
+      <p:sp>
+        <p:nvSpPr>
+          <p:cNvPr id="19" name="テキスト ボックス 18">
+            <a:extLst>
+              <a:ext uri="{FF2B5EF4-FFF2-40B4-BE49-F238E27FC236}">
+                <a16:creationId xmlns:a16="http://schemas.microsoft.com/office/drawing/2014/main" id="{98D25C00-A614-197A-40DB-B4685B8034E9}"/>
+              </a:ext>
+            </a:extLst>
+          </p:cNvPr>
+          <p:cNvSpPr txBox="1"/>
+          <p:nvPr/>
+        </p:nvSpPr>
+        <p:spPr>
+          <a:xfrm>
+            <a:off x="9816249" y="3272331"/>
+            <a:ext cx="1214952" cy="369332"/>
+          </a:xfrm>
+          <a:prstGeom prst="rect">
+            <a:avLst/>
+          </a:prstGeom>
+          <a:noFill/>
+        </p:spPr>
+        <p:txBody>
+          <a:bodyPr wrap="square" rtlCol="0">
+            <a:spAutoFit/>
+          </a:bodyPr>
+          <a:lstStyle/>
+          <a:p>
+            <a:pPr algn="ctr"/>
+            <a:r>
+              <a:rPr kumimoji="1" lang="en-US" altLang="ja-JP" dirty="0">
+                <a:solidFill>
+                  <a:schemeClr val="bg1"/>
+                </a:solidFill>
+                <a:latin typeface="Noto Sans JP" panose="020B0500000000000000" pitchFamily="34" charset="-128"/>
+                <a:ea typeface="Noto Sans JP" panose="020B0500000000000000" pitchFamily="34" charset="-128"/>
+              </a:rPr>
+              <a:t>(52.5,0)</a:t>
+            </a:r>
+            <a:endParaRPr kumimoji="1" lang="ja-JP" altLang="en-US" dirty="0">
+              <a:solidFill>
+                <a:schemeClr val="bg1"/>
+              </a:solidFill>
+              <a:latin typeface="Noto Sans JP" panose="020B0500000000000000" pitchFamily="34" charset="-128"/>
+              <a:ea typeface="Noto Sans JP" panose="020B0500000000000000" pitchFamily="34" charset="-128"/>
+            </a:endParaRPr>
+          </a:p>
+        </p:txBody>
+      </p:sp>
+      <p:cxnSp>
+        <p:nvCxnSpPr>
+          <p:cNvPr id="24" name="直線矢印コネクタ 23">
+            <a:extLst>
+              <a:ext uri="{FF2B5EF4-FFF2-40B4-BE49-F238E27FC236}">
+                <a16:creationId xmlns:a16="http://schemas.microsoft.com/office/drawing/2014/main" id="{8B17FFFD-11C3-8EAC-4ACB-E3C1743331F4}"/>
+              </a:ext>
+            </a:extLst>
+          </p:cNvPr>
+          <p:cNvCxnSpPr>
+            <a:cxnSpLocks/>
+          </p:cNvCxnSpPr>
+          <p:nvPr/>
+        </p:nvCxnSpPr>
+        <p:spPr>
+          <a:xfrm>
+            <a:off x="10574012" y="2767263"/>
+            <a:ext cx="326895" cy="300790"/>
+          </a:xfrm>
+          <a:prstGeom prst="straightConnector1">
+            <a:avLst/>
+          </a:prstGeom>
+          <a:ln w="38100">
+            <a:solidFill>
+              <a:schemeClr val="bg1"/>
+            </a:solidFill>
+            <a:headEnd w="lg" len="lg"/>
+            <a:tailEnd type="triangle" w="lg" len="lg"/>
+          </a:ln>
+        </p:spPr>
+        <p:style>
+          <a:lnRef idx="1">
+            <a:schemeClr val="accent1"/>
+          </a:lnRef>
+          <a:fillRef idx="0">
+            <a:schemeClr val="accent1"/>
+          </a:fillRef>
+          <a:effectRef idx="0">
+            <a:schemeClr val="accent1"/>
+          </a:effectRef>
+          <a:fontRef idx="minor">
+            <a:schemeClr val="tx1"/>
+          </a:fontRef>
+        </p:style>
+      </p:cxnSp>
+      <p:sp>
+        <p:nvSpPr>
+          <p:cNvPr id="25" name="テキスト ボックス 24">
+            <a:extLst>
+              <a:ext uri="{FF2B5EF4-FFF2-40B4-BE49-F238E27FC236}">
+                <a16:creationId xmlns:a16="http://schemas.microsoft.com/office/drawing/2014/main" id="{325AFC90-941D-7536-3D27-42973F67E0B7}"/>
+              </a:ext>
+            </a:extLst>
+          </p:cNvPr>
+          <p:cNvSpPr txBox="1"/>
+          <p:nvPr/>
+        </p:nvSpPr>
+        <p:spPr>
+          <a:xfrm>
+            <a:off x="9661580" y="2423881"/>
+            <a:ext cx="1340724" cy="369332"/>
+          </a:xfrm>
+          <a:prstGeom prst="rect">
+            <a:avLst/>
+          </a:prstGeom>
+          <a:noFill/>
+        </p:spPr>
+        <p:txBody>
+          <a:bodyPr wrap="square" rtlCol="0">
+            <a:spAutoFit/>
+          </a:bodyPr>
+          <a:lstStyle/>
+          <a:p>
+            <a:pPr algn="ctr"/>
+            <a:r>
+              <a:rPr lang="ja-JP" altLang="en-US" dirty="0">
+                <a:solidFill>
+                  <a:schemeClr val="bg1"/>
+                </a:solidFill>
+                <a:latin typeface="Noto Sans JP" panose="020B0500000000000000" pitchFamily="34" charset="-128"/>
+                <a:ea typeface="Noto Sans JP" panose="020B0500000000000000" pitchFamily="34" charset="-128"/>
+              </a:rPr>
+              <a:t>ゴール</a:t>
+            </a:r>
+            <a:endParaRPr kumimoji="1" lang="ja-JP" altLang="en-US" dirty="0">
+              <a:solidFill>
+                <a:schemeClr val="bg1"/>
+              </a:solidFill>
+              <a:latin typeface="Noto Sans JP" panose="020B0500000000000000" pitchFamily="34" charset="-128"/>
+              <a:ea typeface="Noto Sans JP" panose="020B0500000000000000" pitchFamily="34" charset="-128"/>
+            </a:endParaRPr>
+          </a:p>
+        </p:txBody>
+      </p:sp>
     </p:spTree>
     <p:extLst>
       <p:ext uri="{BB962C8B-B14F-4D97-AF65-F5344CB8AC3E}">
